--- a/Data_Analytics_2018/PPT/Lesson 19 - Data Analytics - Cluster Models.pptx
+++ b/Data_Analytics_2018/PPT/Lesson 19 - Data Analytics - Cluster Models.pptx
@@ -2,7 +2,7 @@
 <file path=ppt/presentation.xml><?xml version="1.0" encoding="utf-8"?>
 <p:presentation xmlns:a="http://schemas.openxmlformats.org/drawingml/2006/main" xmlns:r="http://schemas.openxmlformats.org/officeDocument/2006/relationships" xmlns:p="http://schemas.openxmlformats.org/presentationml/2006/main" showSpecialPlsOnTitleSld="0" saveSubsetFonts="1">
   <p:sldMasterIdLst>
-    <p:sldMasterId id="2147483661" r:id="rId1"/>
+    <p:sldMasterId id="2147483674" r:id="rId1"/>
   </p:sldMasterIdLst>
   <p:notesMasterIdLst>
     <p:notesMasterId r:id="rId36"/>
@@ -5649,7 +5649,7 @@
           <a:p>
             <a:fld id="{12E2E0BF-1E19-48CE-A5B4-11AA1325EE0B}" type="datetimeFigureOut">
               <a:rPr lang="en-US" smtClean="0"/>
-              <a:t>8/1/2018</a:t>
+              <a:t>8/11/2018</a:t>
             </a:fld>
             <a:endParaRPr lang="en-US" dirty="0"/>
           </a:p>
@@ -5814,7 +5814,7 @@
           <a:p>
             <a:fld id="{B3E6BC81-1184-4954-A4F1-6E56C89D84BE}" type="datetimeFigureOut">
               <a:rPr lang="en-US" smtClean="0"/>
-              <a:t>8/1/2018</a:t>
+              <a:t>8/11/2018</a:t>
             </a:fld>
             <a:endParaRPr lang="en-US" dirty="0"/>
           </a:p>
@@ -6214,7 +6214,7 @@
         </p:nvSpPr>
         <p:spPr>
           <a:xfrm>
-            <a:off x="152400" y="6443433"/>
+            <a:off x="152400" y="6485768"/>
             <a:ext cx="2743200" cy="365125"/>
           </a:xfrm>
         </p:spPr>
@@ -6224,7 +6224,7 @@
           <a:p>
             <a:fld id="{A24D462D-0ABF-4F66-AA29-FCADD808DF8B}" type="datetime1">
               <a:rPr lang="en-US" smtClean="0"/>
-              <a:t>8/1/2018</a:t>
+              <a:t>8/11/2018</a:t>
             </a:fld>
             <a:endParaRPr lang="en-US" dirty="0"/>
           </a:p>
@@ -6242,7 +6242,7 @@
         </p:nvSpPr>
         <p:spPr>
           <a:xfrm>
-            <a:off x="4038600" y="6443434"/>
+            <a:off x="4038600" y="6485769"/>
             <a:ext cx="4114800" cy="365125"/>
           </a:xfrm>
         </p:spPr>
@@ -6270,7 +6270,7 @@
         </p:nvSpPr>
         <p:spPr>
           <a:xfrm>
-            <a:off x="9361714" y="6443432"/>
+            <a:off x="9361714" y="6485767"/>
             <a:ext cx="2743200" cy="365125"/>
           </a:xfrm>
         </p:spPr>
@@ -6289,7 +6289,7 @@
     </p:spTree>
     <p:extLst>
       <p:ext uri="{BB962C8B-B14F-4D97-AF65-F5344CB8AC3E}">
-        <p14:creationId xmlns:p14="http://schemas.microsoft.com/office/powerpoint/2010/main" val="350368044"/>
+        <p14:creationId xmlns:p14="http://schemas.microsoft.com/office/powerpoint/2010/main" val="441158711"/>
       </p:ext>
     </p:extLst>
   </p:cSld>
@@ -6494,7 +6494,7 @@
           <a:p>
             <a:fld id="{E07E8265-18F4-4680-A16E-90ED1CF19BF4}" type="datetime1">
               <a:rPr lang="en-US" smtClean="0"/>
-              <a:t>8/1/2018</a:t>
+              <a:t>8/11/2018</a:t>
             </a:fld>
             <a:endParaRPr lang="en-US" dirty="0"/>
           </a:p>
@@ -6549,7 +6549,7 @@
     </p:spTree>
     <p:extLst>
       <p:ext uri="{BB962C8B-B14F-4D97-AF65-F5344CB8AC3E}">
-        <p14:creationId xmlns:p14="http://schemas.microsoft.com/office/powerpoint/2010/main" val="102619215"/>
+        <p14:creationId xmlns:p14="http://schemas.microsoft.com/office/powerpoint/2010/main" val="462614158"/>
       </p:ext>
     </p:extLst>
   </p:cSld>
@@ -6671,7 +6671,7 @@
           <a:p>
             <a:fld id="{50A3F95B-AA19-4AF1-8E3F-0C1F80E644D7}" type="datetime1">
               <a:rPr lang="en-US" smtClean="0"/>
-              <a:t>8/1/2018</a:t>
+              <a:t>8/11/2018</a:t>
             </a:fld>
             <a:endParaRPr lang="en-US" dirty="0"/>
           </a:p>
@@ -6726,7 +6726,7 @@
     </p:spTree>
     <p:extLst>
       <p:ext uri="{BB962C8B-B14F-4D97-AF65-F5344CB8AC3E}">
-        <p14:creationId xmlns:p14="http://schemas.microsoft.com/office/powerpoint/2010/main" val="429764214"/>
+        <p14:creationId xmlns:p14="http://schemas.microsoft.com/office/powerpoint/2010/main" val="2159541347"/>
       </p:ext>
     </p:extLst>
   </p:cSld>
@@ -6853,7 +6853,7 @@
           <a:p>
             <a:fld id="{CCDBCEF4-92B1-4F4B-B523-BAFBFD103FD6}" type="datetime1">
               <a:rPr lang="en-US" smtClean="0"/>
-              <a:t>8/1/2018</a:t>
+              <a:t>8/11/2018</a:t>
             </a:fld>
             <a:endParaRPr lang="en-US" dirty="0"/>
           </a:p>
@@ -6908,7 +6908,7 @@
     </p:spTree>
     <p:extLst>
       <p:ext uri="{BB962C8B-B14F-4D97-AF65-F5344CB8AC3E}">
-        <p14:creationId xmlns:p14="http://schemas.microsoft.com/office/powerpoint/2010/main" val="871013817"/>
+        <p14:creationId xmlns:p14="http://schemas.microsoft.com/office/powerpoint/2010/main" val="1750956615"/>
       </p:ext>
     </p:extLst>
   </p:cSld>
@@ -7079,7 +7079,7 @@
             <a:fld id="{13570084-B57A-493D-8A30-572F2D9F55F8}" type="datetime1">
               <a:rPr lang="en-US" smtClean="0"/>
               <a:pPr/>
-              <a:t>8/1/2018</a:t>
+              <a:t>8/11/2018</a:t>
             </a:fld>
             <a:endParaRPr lang="en-US" dirty="0"/>
           </a:p>
@@ -7159,7 +7159,7 @@
     </p:spTree>
     <p:extLst>
       <p:ext uri="{BB962C8B-B14F-4D97-AF65-F5344CB8AC3E}">
-        <p14:creationId xmlns:p14="http://schemas.microsoft.com/office/powerpoint/2010/main" val="2918717838"/>
+        <p14:creationId xmlns:p14="http://schemas.microsoft.com/office/powerpoint/2010/main" val="3811264716"/>
       </p:ext>
     </p:extLst>
   </p:cSld>
@@ -7285,7 +7285,7 @@
             <a:fld id="{13570084-B57A-493D-8A30-572F2D9F55F8}" type="datetime1">
               <a:rPr lang="en-US" smtClean="0"/>
               <a:pPr/>
-              <a:t>8/1/2018</a:t>
+              <a:t>8/11/2018</a:t>
             </a:fld>
             <a:endParaRPr lang="en-US" dirty="0"/>
           </a:p>
@@ -7365,7 +7365,7 @@
     </p:spTree>
     <p:extLst>
       <p:ext uri="{BB962C8B-B14F-4D97-AF65-F5344CB8AC3E}">
-        <p14:creationId xmlns:p14="http://schemas.microsoft.com/office/powerpoint/2010/main" val="2175416761"/>
+        <p14:creationId xmlns:p14="http://schemas.microsoft.com/office/powerpoint/2010/main" val="721719008"/>
       </p:ext>
     </p:extLst>
   </p:cSld>
@@ -7564,7 +7564,7 @@
           <a:p>
             <a:fld id="{8F7D0969-017A-4CFD-B470-B6959400D96E}" type="datetime1">
               <a:rPr lang="en-US" smtClean="0"/>
-              <a:t>8/1/2018</a:t>
+              <a:t>8/11/2018</a:t>
             </a:fld>
             <a:endParaRPr lang="en-US" dirty="0"/>
           </a:p>
@@ -7619,7 +7619,7 @@
     </p:spTree>
     <p:extLst>
       <p:ext uri="{BB962C8B-B14F-4D97-AF65-F5344CB8AC3E}">
-        <p14:creationId xmlns:p14="http://schemas.microsoft.com/office/powerpoint/2010/main" val="1872978958"/>
+        <p14:creationId xmlns:p14="http://schemas.microsoft.com/office/powerpoint/2010/main" val="3604966946"/>
       </p:ext>
     </p:extLst>
   </p:cSld>
@@ -7665,6 +7665,7 @@
               <a:rPr lang="en-US"/>
               <a:t>Click to edit Master title style</a:t>
             </a:r>
+            <a:endParaRPr lang="en-US" dirty="0"/>
           </a:p>
         </p:txBody>
       </p:sp>
@@ -7680,8 +7681,8 @@
         </p:nvSpPr>
         <p:spPr>
           <a:xfrm>
-            <a:off x="838200" y="1825625"/>
-            <a:ext cx="5181600" cy="4351338"/>
+            <a:off x="406400" y="1354666"/>
+            <a:ext cx="5613400" cy="5046134"/>
           </a:xfrm>
         </p:spPr>
         <p:txBody>
@@ -7788,8 +7789,8 @@
         </p:nvSpPr>
         <p:spPr>
           <a:xfrm>
-            <a:off x="6172200" y="1825625"/>
-            <a:ext cx="5181600" cy="4351338"/>
+            <a:off x="6172199" y="1354666"/>
+            <a:ext cx="5469467" cy="5046134"/>
           </a:xfrm>
         </p:spPr>
         <p:txBody>
@@ -7829,6 +7830,7 @@
               <a:rPr lang="en-US"/>
               <a:t>Fifth level</a:t>
             </a:r>
+            <a:endParaRPr lang="en-US" dirty="0"/>
           </a:p>
         </p:txBody>
       </p:sp>
@@ -7850,7 +7852,7 @@
             <a:fld id="{E7244459-F2A5-4FF9-8125-3DD79827DEF5}" type="datetime1">
               <a:rPr lang="en-US" smtClean="0"/>
               <a:pPr/>
-              <a:t>8/1/2018</a:t>
+              <a:t>8/11/2018</a:t>
             </a:fld>
             <a:endParaRPr lang="en-US" dirty="0"/>
           </a:p>
@@ -7906,7 +7908,7 @@
     </p:spTree>
     <p:extLst>
       <p:ext uri="{BB962C8B-B14F-4D97-AF65-F5344CB8AC3E}">
-        <p14:creationId xmlns:p14="http://schemas.microsoft.com/office/powerpoint/2010/main" val="3285514752"/>
+        <p14:creationId xmlns:p14="http://schemas.microsoft.com/office/powerpoint/2010/main" val="2576913219"/>
       </p:ext>
     </p:extLst>
   </p:cSld>
@@ -7945,8 +7947,8 @@
         </p:nvSpPr>
         <p:spPr>
           <a:xfrm>
-            <a:off x="839788" y="161926"/>
-            <a:ext cx="8536439" cy="1325563"/>
+            <a:off x="381000" y="5555"/>
+            <a:ext cx="10151533" cy="1325563"/>
           </a:xfrm>
         </p:spPr>
         <p:txBody>
@@ -7967,17 +7969,17 @@
             <a:spLocks noGrp="1"/>
           </p:cNvSpPr>
           <p:nvPr>
-            <p:ph type="body" idx="1"/>
+            <p:ph type="body" idx="1" hasCustomPrompt="1"/>
           </p:nvPr>
         </p:nvSpPr>
         <p:spPr>
           <a:xfrm>
-            <a:off x="839788" y="1681163"/>
-            <a:ext cx="5157787" cy="823912"/>
+            <a:off x="381000" y="1444096"/>
+            <a:ext cx="5616575" cy="823912"/>
           </a:xfrm>
         </p:spPr>
         <p:txBody>
-          <a:bodyPr anchor="b"/>
+          <a:bodyPr anchor="ctr"/>
           <a:lstStyle>
             <a:lvl1pPr marL="0" indent="0">
               <a:buNone/>
@@ -8019,86 +8021,86 @@
           <a:p>
             <a:pPr lvl="0"/>
             <a:r>
+              <a:rPr lang="en-US" dirty="0"/>
+              <a:t>Click to edit Master text styles</a:t>
+            </a:r>
+          </a:p>
+        </p:txBody>
+      </p:sp>
+      <p:sp>
+        <p:nvSpPr>
+          <p:cNvPr id="4" name="Content Placeholder 3"/>
+          <p:cNvSpPr>
+            <a:spLocks noGrp="1"/>
+          </p:cNvSpPr>
+          <p:nvPr>
+            <p:ph sz="half" idx="2"/>
+          </p:nvPr>
+        </p:nvSpPr>
+        <p:spPr>
+          <a:xfrm>
+            <a:off x="381000" y="2268007"/>
+            <a:ext cx="5616575" cy="4014259"/>
+          </a:xfrm>
+        </p:spPr>
+        <p:txBody>
+          <a:bodyPr/>
+          <a:lstStyle/>
+          <a:p>
+            <a:pPr lvl="0"/>
+            <a:r>
               <a:rPr lang="en-US"/>
               <a:t>Edit Master text styles</a:t>
             </a:r>
           </a:p>
-        </p:txBody>
-      </p:sp>
-      <p:sp>
-        <p:nvSpPr>
-          <p:cNvPr id="4" name="Content Placeholder 3"/>
-          <p:cNvSpPr>
-            <a:spLocks noGrp="1"/>
-          </p:cNvSpPr>
-          <p:nvPr>
-            <p:ph sz="half" idx="2"/>
+          <a:p>
+            <a:pPr lvl="1"/>
+            <a:r>
+              <a:rPr lang="en-US"/>
+              <a:t>Second level</a:t>
+            </a:r>
+          </a:p>
+          <a:p>
+            <a:pPr lvl="2"/>
+            <a:r>
+              <a:rPr lang="en-US"/>
+              <a:t>Third level</a:t>
+            </a:r>
+          </a:p>
+          <a:p>
+            <a:pPr lvl="3"/>
+            <a:r>
+              <a:rPr lang="en-US"/>
+              <a:t>Fourth level</a:t>
+            </a:r>
+          </a:p>
+          <a:p>
+            <a:pPr lvl="4"/>
+            <a:r>
+              <a:rPr lang="en-US"/>
+              <a:t>Fifth level</a:t>
+            </a:r>
+          </a:p>
+        </p:txBody>
+      </p:sp>
+      <p:sp>
+        <p:nvSpPr>
+          <p:cNvPr id="5" name="Text Placeholder 4"/>
+          <p:cNvSpPr>
+            <a:spLocks noGrp="1"/>
+          </p:cNvSpPr>
+          <p:nvPr>
+            <p:ph type="body" sz="quarter" idx="3" hasCustomPrompt="1"/>
           </p:nvPr>
         </p:nvSpPr>
         <p:spPr>
           <a:xfrm>
-            <a:off x="839788" y="2505075"/>
-            <a:ext cx="5157787" cy="3684588"/>
+            <a:off x="6172200" y="1444096"/>
+            <a:ext cx="5638800" cy="823912"/>
           </a:xfrm>
         </p:spPr>
         <p:txBody>
-          <a:bodyPr/>
-          <a:lstStyle/>
-          <a:p>
-            <a:pPr lvl="0"/>
-            <a:r>
-              <a:rPr lang="en-US"/>
-              <a:t>Edit Master text styles</a:t>
-            </a:r>
-          </a:p>
-          <a:p>
-            <a:pPr lvl="1"/>
-            <a:r>
-              <a:rPr lang="en-US"/>
-              <a:t>Second level</a:t>
-            </a:r>
-          </a:p>
-          <a:p>
-            <a:pPr lvl="2"/>
-            <a:r>
-              <a:rPr lang="en-US"/>
-              <a:t>Third level</a:t>
-            </a:r>
-          </a:p>
-          <a:p>
-            <a:pPr lvl="3"/>
-            <a:r>
-              <a:rPr lang="en-US"/>
-              <a:t>Fourth level</a:t>
-            </a:r>
-          </a:p>
-          <a:p>
-            <a:pPr lvl="4"/>
-            <a:r>
-              <a:rPr lang="en-US"/>
-              <a:t>Fifth level</a:t>
-            </a:r>
-          </a:p>
-        </p:txBody>
-      </p:sp>
-      <p:sp>
-        <p:nvSpPr>
-          <p:cNvPr id="5" name="Text Placeholder 4"/>
-          <p:cNvSpPr>
-            <a:spLocks noGrp="1"/>
-          </p:cNvSpPr>
-          <p:nvPr>
-            <p:ph type="body" sz="quarter" idx="3"/>
-          </p:nvPr>
-        </p:nvSpPr>
-        <p:spPr>
-          <a:xfrm>
-            <a:off x="6172200" y="1681163"/>
-            <a:ext cx="5183188" cy="823912"/>
-          </a:xfrm>
-        </p:spPr>
-        <p:txBody>
-          <a:bodyPr anchor="b"/>
+          <a:bodyPr anchor="ctr"/>
           <a:lstStyle>
             <a:lvl1pPr marL="0" indent="0">
               <a:buNone/>
@@ -8140,86 +8142,86 @@
           <a:p>
             <a:pPr lvl="0"/>
             <a:r>
+              <a:rPr lang="en-US" dirty="0"/>
+              <a:t>Click to edit Master text styles</a:t>
+            </a:r>
+          </a:p>
+        </p:txBody>
+      </p:sp>
+      <p:sp>
+        <p:nvSpPr>
+          <p:cNvPr id="6" name="Content Placeholder 5"/>
+          <p:cNvSpPr>
+            <a:spLocks noGrp="1"/>
+          </p:cNvSpPr>
+          <p:nvPr>
+            <p:ph sz="quarter" idx="4"/>
+          </p:nvPr>
+        </p:nvSpPr>
+        <p:spPr>
+          <a:xfrm>
+            <a:off x="6172199" y="2268007"/>
+            <a:ext cx="5616575" cy="4014259"/>
+          </a:xfrm>
+        </p:spPr>
+        <p:txBody>
+          <a:bodyPr/>
+          <a:lstStyle/>
+          <a:p>
+            <a:pPr lvl="0"/>
+            <a:r>
               <a:rPr lang="en-US"/>
               <a:t>Edit Master text styles</a:t>
             </a:r>
           </a:p>
-        </p:txBody>
-      </p:sp>
-      <p:sp>
-        <p:nvSpPr>
-          <p:cNvPr id="6" name="Content Placeholder 5"/>
-          <p:cNvSpPr>
-            <a:spLocks noGrp="1"/>
-          </p:cNvSpPr>
-          <p:nvPr>
-            <p:ph sz="quarter" idx="4"/>
-          </p:nvPr>
-        </p:nvSpPr>
-        <p:spPr>
-          <a:xfrm>
-            <a:off x="6172200" y="2505075"/>
-            <a:ext cx="5183188" cy="3684588"/>
-          </a:xfrm>
-        </p:spPr>
+          <a:p>
+            <a:pPr lvl="1"/>
+            <a:r>
+              <a:rPr lang="en-US"/>
+              <a:t>Second level</a:t>
+            </a:r>
+          </a:p>
+          <a:p>
+            <a:pPr lvl="2"/>
+            <a:r>
+              <a:rPr lang="en-US"/>
+              <a:t>Third level</a:t>
+            </a:r>
+          </a:p>
+          <a:p>
+            <a:pPr lvl="3"/>
+            <a:r>
+              <a:rPr lang="en-US"/>
+              <a:t>Fourth level</a:t>
+            </a:r>
+          </a:p>
+          <a:p>
+            <a:pPr lvl="4"/>
+            <a:r>
+              <a:rPr lang="en-US"/>
+              <a:t>Fifth level</a:t>
+            </a:r>
+          </a:p>
+        </p:txBody>
+      </p:sp>
+      <p:sp>
+        <p:nvSpPr>
+          <p:cNvPr id="7" name="Date Placeholder 6"/>
+          <p:cNvSpPr>
+            <a:spLocks noGrp="1"/>
+          </p:cNvSpPr>
+          <p:nvPr>
+            <p:ph type="dt" sz="half" idx="10"/>
+          </p:nvPr>
+        </p:nvSpPr>
+        <p:spPr/>
         <p:txBody>
           <a:bodyPr/>
           <a:lstStyle/>
           <a:p>
-            <a:pPr lvl="0"/>
-            <a:r>
-              <a:rPr lang="en-US"/>
-              <a:t>Edit Master text styles</a:t>
-            </a:r>
-          </a:p>
-          <a:p>
-            <a:pPr lvl="1"/>
-            <a:r>
-              <a:rPr lang="en-US"/>
-              <a:t>Second level</a:t>
-            </a:r>
-          </a:p>
-          <a:p>
-            <a:pPr lvl="2"/>
-            <a:r>
-              <a:rPr lang="en-US"/>
-              <a:t>Third level</a:t>
-            </a:r>
-          </a:p>
-          <a:p>
-            <a:pPr lvl="3"/>
-            <a:r>
-              <a:rPr lang="en-US"/>
-              <a:t>Fourth level</a:t>
-            </a:r>
-          </a:p>
-          <a:p>
-            <a:pPr lvl="4"/>
-            <a:r>
-              <a:rPr lang="en-US"/>
-              <a:t>Fifth level</a:t>
-            </a:r>
-          </a:p>
-        </p:txBody>
-      </p:sp>
-      <p:sp>
-        <p:nvSpPr>
-          <p:cNvPr id="7" name="Date Placeholder 6"/>
-          <p:cNvSpPr>
-            <a:spLocks noGrp="1"/>
-          </p:cNvSpPr>
-          <p:nvPr>
-            <p:ph type="dt" sz="half" idx="10"/>
-          </p:nvPr>
-        </p:nvSpPr>
-        <p:spPr/>
-        <p:txBody>
-          <a:bodyPr/>
-          <a:lstStyle/>
-          <a:p>
             <a:fld id="{B3A53202-F90A-473F-9577-0694CB3DE811}" type="datetime1">
               <a:rPr lang="en-US" smtClean="0"/>
-              <a:t>8/1/2018</a:t>
+              <a:t>8/11/2018</a:t>
             </a:fld>
             <a:endParaRPr lang="en-US" dirty="0"/>
           </a:p>
@@ -8276,7 +8278,7 @@
           <p:cNvPr id="10" name="Straight Connector 9">
             <a:extLst>
               <a:ext uri="{FF2B5EF4-FFF2-40B4-BE49-F238E27FC236}">
-                <a16:creationId xmlns:a16="http://schemas.microsoft.com/office/drawing/2014/main" id="{D04E5BE0-AB8A-4E1D-BC86-2FB16DAD7529}"/>
+                <a16:creationId xmlns:a16="http://schemas.microsoft.com/office/drawing/2014/main" id="{B9FAB68A-5B2F-4079-B024-72FC15313562}"/>
               </a:ext>
             </a:extLst>
           </p:cNvPr>
@@ -8310,7 +8312,7 @@
     </p:spTree>
     <p:extLst>
       <p:ext uri="{BB962C8B-B14F-4D97-AF65-F5344CB8AC3E}">
-        <p14:creationId xmlns:p14="http://schemas.microsoft.com/office/powerpoint/2010/main" val="3945429754"/>
+        <p14:creationId xmlns:p14="http://schemas.microsoft.com/office/powerpoint/2010/main" val="3070622120"/>
       </p:ext>
     </p:extLst>
   </p:cSld>
@@ -8390,7 +8392,7 @@
             <a:fld id="{64FA1387-E9BD-4269-B052-15A23CD1D16B}" type="datetime1">
               <a:rPr lang="en-US" smtClean="0"/>
               <a:pPr/>
-              <a:t>8/1/2018</a:t>
+              <a:t>8/11/2018</a:t>
             </a:fld>
             <a:endParaRPr lang="en-US" dirty="0"/>
           </a:p>
@@ -8470,7 +8472,7 @@
     </p:spTree>
     <p:extLst>
       <p:ext uri="{BB962C8B-B14F-4D97-AF65-F5344CB8AC3E}">
-        <p14:creationId xmlns:p14="http://schemas.microsoft.com/office/powerpoint/2010/main" val="3444601708"/>
+        <p14:creationId xmlns:p14="http://schemas.microsoft.com/office/powerpoint/2010/main" val="2806067368"/>
       </p:ext>
     </p:extLst>
   </p:cSld>
@@ -8514,7 +8516,7 @@
           <a:p>
             <a:fld id="{A197E209-8033-4044-BA05-35D0B8A61D52}" type="datetime1">
               <a:rPr lang="en-US" smtClean="0"/>
-              <a:t>8/1/2018</a:t>
+              <a:t>8/11/2018</a:t>
             </a:fld>
             <a:endParaRPr lang="en-US" dirty="0"/>
           </a:p>
@@ -8569,7 +8571,7 @@
     </p:spTree>
     <p:extLst>
       <p:ext uri="{BB962C8B-B14F-4D97-AF65-F5344CB8AC3E}">
-        <p14:creationId xmlns:p14="http://schemas.microsoft.com/office/powerpoint/2010/main" val="1014272977"/>
+        <p14:creationId xmlns:p14="http://schemas.microsoft.com/office/powerpoint/2010/main" val="3993751305"/>
       </p:ext>
     </p:extLst>
   </p:cSld>
@@ -8793,7 +8795,7 @@
           <a:p>
             <a:fld id="{488CFC0E-11F7-458D-9C54-1B7C7C814EDD}" type="datetime1">
               <a:rPr lang="en-US" smtClean="0"/>
-              <a:t>8/1/2018</a:t>
+              <a:t>8/11/2018</a:t>
             </a:fld>
             <a:endParaRPr lang="en-US" dirty="0"/>
           </a:p>
@@ -8845,42 +8847,12 @@
           </a:p>
         </p:txBody>
       </p:sp>
-      <p:cxnSp>
-        <p:nvCxnSpPr>
-          <p:cNvPr id="11" name="Straight Connector 10"/>
-          <p:cNvCxnSpPr/>
-          <p:nvPr/>
-        </p:nvCxnSpPr>
-        <p:spPr>
-          <a:xfrm>
-            <a:off x="0" y="6342743"/>
-            <a:ext cx="12192000" cy="0"/>
-          </a:xfrm>
-          <a:prstGeom prst="line">
-            <a:avLst/>
-          </a:prstGeom>
-        </p:spPr>
-        <p:style>
-          <a:lnRef idx="1">
-            <a:schemeClr val="accent1"/>
-          </a:lnRef>
-          <a:fillRef idx="0">
-            <a:schemeClr val="accent1"/>
-          </a:fillRef>
-          <a:effectRef idx="0">
-            <a:schemeClr val="accent1"/>
-          </a:effectRef>
-          <a:fontRef idx="minor">
-            <a:schemeClr val="tx1"/>
-          </a:fontRef>
-        </p:style>
-      </p:cxnSp>
-      <p:sp>
-        <p:nvSpPr>
-          <p:cNvPr id="9" name="Rectangle 8">
+      <p:sp>
+        <p:nvSpPr>
+          <p:cNvPr id="8" name="Rectangle 7">
             <a:extLst>
               <a:ext uri="{FF2B5EF4-FFF2-40B4-BE49-F238E27FC236}">
-                <a16:creationId xmlns:a16="http://schemas.microsoft.com/office/drawing/2014/main" id="{44CEF2DA-575F-41D6-AEE8-77589FCAEEFD}"/>
+                <a16:creationId xmlns:a16="http://schemas.microsoft.com/office/drawing/2014/main" id="{D2A93821-4D5F-4AF0-8AC7-8E965531FBCB}"/>
               </a:ext>
             </a:extLst>
           </p:cNvPr>
@@ -8926,10 +8898,10 @@
       </p:sp>
       <p:sp>
         <p:nvSpPr>
-          <p:cNvPr id="10" name="Rectangle 9">
+          <p:cNvPr id="9" name="Rectangle 8">
             <a:extLst>
               <a:ext uri="{FF2B5EF4-FFF2-40B4-BE49-F238E27FC236}">
-                <a16:creationId xmlns:a16="http://schemas.microsoft.com/office/drawing/2014/main" id="{C55E0A82-7AFC-4983-8A3F-E5940CCBCE83}"/>
+                <a16:creationId xmlns:a16="http://schemas.microsoft.com/office/drawing/2014/main" id="{D3A02F67-5FAB-4766-AF75-891FBE9BD81D}"/>
               </a:ext>
             </a:extLst>
           </p:cNvPr>
@@ -8975,10 +8947,10 @@
       </p:sp>
       <p:sp>
         <p:nvSpPr>
-          <p:cNvPr id="12" name="Callout: Down Arrow 11">
+          <p:cNvPr id="10" name="Callout: Down Arrow 9">
             <a:extLst>
               <a:ext uri="{FF2B5EF4-FFF2-40B4-BE49-F238E27FC236}">
-                <a16:creationId xmlns:a16="http://schemas.microsoft.com/office/drawing/2014/main" id="{1CCF2D09-60DB-4E64-9969-3B3D9E68AEE1}"/>
+                <a16:creationId xmlns:a16="http://schemas.microsoft.com/office/drawing/2014/main" id="{B30721EC-1271-442B-A97B-B7E7AA0D358D}"/>
               </a:ext>
             </a:extLst>
           </p:cNvPr>
@@ -9030,7 +9002,7 @@
     </p:spTree>
     <p:extLst>
       <p:ext uri="{BB962C8B-B14F-4D97-AF65-F5344CB8AC3E}">
-        <p14:creationId xmlns:p14="http://schemas.microsoft.com/office/powerpoint/2010/main" val="1259736255"/>
+        <p14:creationId xmlns:p14="http://schemas.microsoft.com/office/powerpoint/2010/main" val="1273483477"/>
       </p:ext>
     </p:extLst>
   </p:cSld>
@@ -9207,8 +9179,8 @@
         </p:nvSpPr>
         <p:spPr>
           <a:xfrm>
-            <a:off x="406400" y="91440"/>
-            <a:ext cx="11393714" cy="1234123"/>
+            <a:off x="406400" y="6770"/>
+            <a:ext cx="10049933" cy="1234123"/>
           </a:xfrm>
           <a:prstGeom prst="rect">
             <a:avLst/>
@@ -9239,8 +9211,8 @@
         </p:nvSpPr>
         <p:spPr>
           <a:xfrm>
-            <a:off x="406400" y="1489166"/>
-            <a:ext cx="11393714" cy="4687797"/>
+            <a:off x="406400" y="1337187"/>
+            <a:ext cx="11393714" cy="5064803"/>
           </a:xfrm>
           <a:prstGeom prst="rect">
             <a:avLst/>
@@ -9323,7 +9295,7 @@
             <a:fld id="{DA3380A9-99D8-412F-8F98-2C2792A83619}" type="datetime1">
               <a:rPr lang="en-US" smtClean="0"/>
               <a:pPr/>
-              <a:t>8/1/2018</a:t>
+              <a:t>8/11/2018</a:t>
             </a:fld>
             <a:endParaRPr lang="en-US" dirty="0"/>
           </a:p>
@@ -9449,27 +9421,70 @@
           </a:fontRef>
         </p:style>
       </p:cxnSp>
+      <p:pic>
+        <p:nvPicPr>
+          <p:cNvPr id="10" name="Picture 9" descr="A close up of a sign&#10;&#10;Description generated with very high confidence">
+            <a:extLst>
+              <a:ext uri="{FF2B5EF4-FFF2-40B4-BE49-F238E27FC236}">
+                <a16:creationId xmlns:a16="http://schemas.microsoft.com/office/drawing/2014/main" id="{6D9D6532-6138-406D-8115-7BAFD8D73FEB}"/>
+              </a:ext>
+            </a:extLst>
+          </p:cNvPr>
+          <p:cNvPicPr>
+            <a:picLocks noChangeAspect="1"/>
+          </p:cNvPicPr>
+          <p:nvPr/>
+        </p:nvPicPr>
+        <p:blipFill>
+          <a:blip r:embed="rId16">
+            <a:duotone>
+              <a:schemeClr val="bg2">
+                <a:shade val="45000"/>
+                <a:satMod val="135000"/>
+              </a:schemeClr>
+              <a:prstClr val="white"/>
+            </a:duotone>
+            <a:extLst>
+              <a:ext uri="{28A0092B-C50C-407E-A947-70E740481C1C}">
+                <a14:useLocalDpi xmlns:a14="http://schemas.microsoft.com/office/drawing/2010/main" val="0"/>
+              </a:ext>
+            </a:extLst>
+          </a:blip>
+          <a:stretch>
+            <a:fillRect/>
+          </a:stretch>
+        </p:blipFill>
+        <p:spPr>
+          <a:xfrm>
+            <a:off x="10634133" y="96294"/>
+            <a:ext cx="1165981" cy="1229580"/>
+          </a:xfrm>
+          <a:prstGeom prst="rect">
+            <a:avLst/>
+          </a:prstGeom>
+        </p:spPr>
+      </p:pic>
     </p:spTree>
     <p:extLst>
       <p:ext uri="{BB962C8B-B14F-4D97-AF65-F5344CB8AC3E}">
-        <p14:creationId xmlns:p14="http://schemas.microsoft.com/office/powerpoint/2010/main" val="3742094336"/>
+        <p14:creationId xmlns:p14="http://schemas.microsoft.com/office/powerpoint/2010/main" val="2214570184"/>
       </p:ext>
     </p:extLst>
   </p:cSld>
   <p:clrMap bg1="lt1" tx1="dk1" bg2="lt2" tx2="dk2" accent1="accent1" accent2="accent2" accent3="accent3" accent4="accent4" accent5="accent5" accent6="accent6" hlink="hlink" folHlink="folHlink"/>
   <p:sldLayoutIdLst>
-    <p:sldLayoutId id="2147483662" r:id="rId1"/>
-    <p:sldLayoutId id="2147483663" r:id="rId2"/>
-    <p:sldLayoutId id="2147483664" r:id="rId3"/>
-    <p:sldLayoutId id="2147483665" r:id="rId4"/>
-    <p:sldLayoutId id="2147483666" r:id="rId5"/>
-    <p:sldLayoutId id="2147483667" r:id="rId6"/>
-    <p:sldLayoutId id="2147483668" r:id="rId7"/>
-    <p:sldLayoutId id="2147483669" r:id="rId8"/>
-    <p:sldLayoutId id="2147483670" r:id="rId9"/>
-    <p:sldLayoutId id="2147483671" r:id="rId10"/>
-    <p:sldLayoutId id="2147483672" r:id="rId11"/>
-    <p:sldLayoutId id="2147483673" r:id="rId12"/>
+    <p:sldLayoutId id="2147483675" r:id="rId1"/>
+    <p:sldLayoutId id="2147483676" r:id="rId2"/>
+    <p:sldLayoutId id="2147483677" r:id="rId3"/>
+    <p:sldLayoutId id="2147483678" r:id="rId4"/>
+    <p:sldLayoutId id="2147483679" r:id="rId5"/>
+    <p:sldLayoutId id="2147483680" r:id="rId6"/>
+    <p:sldLayoutId id="2147483681" r:id="rId7"/>
+    <p:sldLayoutId id="2147483682" r:id="rId8"/>
+    <p:sldLayoutId id="2147483683" r:id="rId9"/>
+    <p:sldLayoutId id="2147483684" r:id="rId10"/>
+    <p:sldLayoutId id="2147483685" r:id="rId11"/>
+    <p:sldLayoutId id="2147483686" r:id="rId12"/>
   </p:sldLayoutIdLst>
   <p:hf hdr="0"/>
   <p:txStyles>
@@ -10260,7 +10275,7 @@
             <a:fld id="{E7244459-F2A5-4FF9-8125-3DD79827DEF5}" type="datetime1">
               <a:rPr lang="en-US" smtClean="0"/>
               <a:pPr/>
-              <a:t>8/1/2018</a:t>
+              <a:t>8/11/2018</a:t>
             </a:fld>
             <a:endParaRPr lang="en-US" dirty="0"/>
           </a:p>
@@ -10959,7 +10974,7 @@
             <a:fld id="{E7244459-F2A5-4FF9-8125-3DD79827DEF5}" type="datetime1">
               <a:rPr lang="en-US" smtClean="0"/>
               <a:pPr/>
-              <a:t>8/1/2018</a:t>
+              <a:t>8/11/2018</a:t>
             </a:fld>
             <a:endParaRPr lang="en-US" dirty="0"/>
           </a:p>
@@ -11351,7 +11366,7 @@
             <a:fld id="{E7244459-F2A5-4FF9-8125-3DD79827DEF5}" type="datetime1">
               <a:rPr lang="en-US" smtClean="0"/>
               <a:pPr/>
-              <a:t>8/1/2018</a:t>
+              <a:t>8/11/2018</a:t>
             </a:fld>
             <a:endParaRPr lang="en-US" dirty="0"/>
           </a:p>
@@ -11626,7 +11641,7 @@
             <a:fld id="{E7244459-F2A5-4FF9-8125-3DD79827DEF5}" type="datetime1">
               <a:rPr lang="en-US" smtClean="0"/>
               <a:pPr/>
-              <a:t>8/1/2018</a:t>
+              <a:t>8/11/2018</a:t>
             </a:fld>
             <a:endParaRPr lang="en-US" dirty="0"/>
           </a:p>
@@ -11782,7 +11797,7 @@
         <p:spPr/>
         <p:txBody>
           <a:bodyPr>
-            <a:normAutofit/>
+            <a:normAutofit fontScale="90000"/>
           </a:bodyPr>
           <a:lstStyle/>
           <a:p>
@@ -12020,7 +12035,7 @@
             <a:fld id="{E7244459-F2A5-4FF9-8125-3DD79827DEF5}" type="datetime1">
               <a:rPr lang="en-US" smtClean="0"/>
               <a:pPr/>
-              <a:t>8/1/2018</a:t>
+              <a:t>8/11/2018</a:t>
             </a:fld>
             <a:endParaRPr lang="en-US" dirty="0"/>
           </a:p>
@@ -12453,7 +12468,7 @@
             <a:fld id="{E7244459-F2A5-4FF9-8125-3DD79827DEF5}" type="datetime1">
               <a:rPr lang="en-US" smtClean="0"/>
               <a:pPr/>
-              <a:t>8/1/2018</a:t>
+              <a:t>8/11/2018</a:t>
             </a:fld>
             <a:endParaRPr lang="en-US" dirty="0"/>
           </a:p>
@@ -13012,7 +13027,7 @@
             <a:fld id="{E7244459-F2A5-4FF9-8125-3DD79827DEF5}" type="datetime1">
               <a:rPr lang="en-US" smtClean="0"/>
               <a:pPr/>
-              <a:t>8/1/2018</a:t>
+              <a:t>8/11/2018</a:t>
             </a:fld>
             <a:endParaRPr lang="en-US" dirty="0"/>
           </a:p>
@@ -13547,7 +13562,7 @@
             <a:fld id="{E7244459-F2A5-4FF9-8125-3DD79827DEF5}" type="datetime1">
               <a:rPr lang="en-US" smtClean="0"/>
               <a:pPr/>
-              <a:t>8/1/2018</a:t>
+              <a:t>8/11/2018</a:t>
             </a:fld>
             <a:endParaRPr lang="en-US" dirty="0"/>
           </a:p>
@@ -13729,8 +13744,8 @@
         </p:blipFill>
         <p:spPr>
           <a:xfrm>
-            <a:off x="2083959" y="1489075"/>
-            <a:ext cx="8038369" cy="4687888"/>
+            <a:off x="1760029" y="1336675"/>
+            <a:ext cx="8686229" cy="5065713"/>
           </a:xfrm>
           <a:prstGeom prst="rect">
             <a:avLst/>
@@ -13761,7 +13776,7 @@
             <a:fld id="{E7244459-F2A5-4FF9-8125-3DD79827DEF5}" type="datetime1">
               <a:rPr lang="en-US" smtClean="0"/>
               <a:pPr/>
-              <a:t>8/1/2018</a:t>
+              <a:t>8/11/2018</a:t>
             </a:fld>
             <a:endParaRPr lang="en-US" dirty="0"/>
           </a:p>
@@ -13908,8 +13923,8 @@
         </p:blipFill>
         <p:spPr>
           <a:xfrm>
-            <a:off x="2083959" y="1489075"/>
-            <a:ext cx="8038369" cy="4687888"/>
+            <a:off x="1760029" y="1336675"/>
+            <a:ext cx="8686229" cy="5065713"/>
           </a:xfrm>
           <a:prstGeom prst="rect">
             <a:avLst/>
@@ -13940,7 +13955,7 @@
             <a:fld id="{13570084-B57A-493D-8A30-572F2D9F55F8}" type="datetime1">
               <a:rPr lang="en-US" smtClean="0"/>
               <a:pPr/>
-              <a:t>8/1/2018</a:t>
+              <a:t>8/11/2018</a:t>
             </a:fld>
             <a:endParaRPr lang="en-US" dirty="0"/>
           </a:p>
@@ -14070,7 +14085,7 @@
         <p:spPr/>
         <p:txBody>
           <a:bodyPr>
-            <a:normAutofit fontScale="92500" lnSpcReduction="10000"/>
+            <a:normAutofit lnSpcReduction="10000"/>
           </a:bodyPr>
           <a:lstStyle/>
           <a:p>
@@ -14163,7 +14178,7 @@
           <a:p>
             <a:fld id="{13570084-B57A-493D-8A30-572F2D9F55F8}" type="datetime1">
               <a:rPr lang="en-US" smtClean="0"/>
-              <a:t>8/1/2018</a:t>
+              <a:t>8/11/2018</a:t>
             </a:fld>
             <a:endParaRPr lang="en-US" dirty="0"/>
           </a:p>
@@ -14298,8 +14313,8 @@
         </p:blipFill>
         <p:spPr>
           <a:xfrm>
-            <a:off x="2083959" y="1489075"/>
-            <a:ext cx="8038369" cy="4687888"/>
+            <a:off x="1760029" y="1336675"/>
+            <a:ext cx="8686229" cy="5065713"/>
           </a:xfrm>
           <a:prstGeom prst="rect">
             <a:avLst/>
@@ -14330,7 +14345,7 @@
             <a:fld id="{13570084-B57A-493D-8A30-572F2D9F55F8}" type="datetime1">
               <a:rPr lang="en-US" smtClean="0"/>
               <a:pPr/>
-              <a:t>8/1/2018</a:t>
+              <a:t>8/11/2018</a:t>
             </a:fld>
             <a:endParaRPr lang="en-US" dirty="0"/>
           </a:p>
@@ -14477,8 +14492,8 @@
         </p:blipFill>
         <p:spPr>
           <a:xfrm>
-            <a:off x="2083959" y="1489075"/>
-            <a:ext cx="8038369" cy="4687888"/>
+            <a:off x="1760029" y="1336675"/>
+            <a:ext cx="8686229" cy="5065713"/>
           </a:xfrm>
           <a:prstGeom prst="rect">
             <a:avLst/>
@@ -14509,7 +14524,7 @@
             <a:fld id="{13570084-B57A-493D-8A30-572F2D9F55F8}" type="datetime1">
               <a:rPr lang="en-US" smtClean="0"/>
               <a:pPr/>
-              <a:t>8/1/2018</a:t>
+              <a:t>8/11/2018</a:t>
             </a:fld>
             <a:endParaRPr lang="en-US" dirty="0"/>
           </a:p>
@@ -14661,8 +14676,8 @@
         </p:blipFill>
         <p:spPr>
           <a:xfrm>
-            <a:off x="3459677" y="1489075"/>
-            <a:ext cx="5286934" cy="4687888"/>
+            <a:off x="3246624" y="1336675"/>
+            <a:ext cx="5713039" cy="5065713"/>
           </a:xfrm>
           <a:prstGeom prst="rect">
             <a:avLst/>
@@ -14693,7 +14708,7 @@
             <a:fld id="{13570084-B57A-493D-8A30-572F2D9F55F8}" type="datetime1">
               <a:rPr lang="en-US" smtClean="0"/>
               <a:pPr/>
-              <a:t>8/1/2018</a:t>
+              <a:t>8/11/2018</a:t>
             </a:fld>
             <a:endParaRPr lang="en-US" dirty="0"/>
           </a:p>
@@ -15166,8 +15181,8 @@
         </p:blipFill>
         <p:spPr>
           <a:xfrm>
-            <a:off x="6172200" y="2188811"/>
-            <a:ext cx="5181600" cy="3624965"/>
+            <a:off x="6172200" y="1964478"/>
+            <a:ext cx="5468938" cy="3825982"/>
           </a:xfrm>
           <a:prstGeom prst="rect">
             <a:avLst/>
@@ -15198,7 +15213,7 @@
             <a:fld id="{13570084-B57A-493D-8A30-572F2D9F55F8}" type="datetime1">
               <a:rPr lang="en-US" smtClean="0"/>
               <a:pPr/>
-              <a:t>8/1/2018</a:t>
+              <a:t>8/11/2018</a:t>
             </a:fld>
             <a:endParaRPr lang="en-US" dirty="0"/>
           </a:p>
@@ -15345,8 +15360,8 @@
         </p:blipFill>
         <p:spPr>
           <a:xfrm>
-            <a:off x="930052" y="1825625"/>
-            <a:ext cx="4997896" cy="4351338"/>
+            <a:off x="406400" y="1433861"/>
+            <a:ext cx="5613400" cy="4887216"/>
           </a:xfrm>
           <a:prstGeom prst="rect">
             <a:avLst/>
@@ -15377,8 +15392,8 @@
         </p:blipFill>
         <p:spPr>
           <a:xfrm>
-            <a:off x="6264052" y="1825625"/>
-            <a:ext cx="4997896" cy="4351338"/>
+            <a:off x="6172200" y="1496748"/>
+            <a:ext cx="5468938" cy="4761442"/>
           </a:xfrm>
           <a:prstGeom prst="rect">
             <a:avLst/>
@@ -15409,7 +15424,7 @@
             <a:fld id="{E7244459-F2A5-4FF9-8125-3DD79827DEF5}" type="datetime1">
               <a:rPr lang="en-US" smtClean="0"/>
               <a:pPr/>
-              <a:t>8/1/2018</a:t>
+              <a:t>8/11/2018</a:t>
             </a:fld>
             <a:endParaRPr lang="en-US" dirty="0"/>
           </a:p>
@@ -15905,7 +15920,7 @@
             <a:fld id="{E7244459-F2A5-4FF9-8125-3DD79827DEF5}" type="datetime1">
               <a:rPr lang="en-US" smtClean="0"/>
               <a:pPr/>
-              <a:t>8/1/2018</a:t>
+              <a:t>8/11/2018</a:t>
             </a:fld>
             <a:endParaRPr lang="en-US" dirty="0"/>
           </a:p>
@@ -16018,7 +16033,9 @@
         </p:nvSpPr>
         <p:spPr/>
         <p:txBody>
-          <a:bodyPr/>
+          <a:bodyPr>
+            <a:normAutofit fontScale="90000"/>
+          </a:bodyPr>
           <a:lstStyle/>
           <a:p>
             <a:r>
@@ -16191,7 +16208,7 @@
             <a:fld id="{E7244459-F2A5-4FF9-8125-3DD79827DEF5}" type="datetime1">
               <a:rPr lang="en-US" smtClean="0"/>
               <a:pPr/>
-              <a:t>8/1/2018</a:t>
+              <a:t>8/11/2018</a:t>
             </a:fld>
             <a:endParaRPr lang="en-US" dirty="0"/>
           </a:p>
@@ -16639,7 +16656,7 @@
             <a:fld id="{E7244459-F2A5-4FF9-8125-3DD79827DEF5}" type="datetime1">
               <a:rPr lang="en-US" smtClean="0"/>
               <a:pPr/>
-              <a:t>8/1/2018</a:t>
+              <a:t>8/11/2018</a:t>
             </a:fld>
             <a:endParaRPr lang="en-US" dirty="0"/>
           </a:p>
@@ -16912,7 +16929,7 @@
             <a:fld id="{E7244459-F2A5-4FF9-8125-3DD79827DEF5}" type="datetime1">
               <a:rPr lang="en-US" smtClean="0"/>
               <a:pPr/>
-              <a:t>8/1/2018</a:t>
+              <a:t>8/11/2018</a:t>
             </a:fld>
             <a:endParaRPr lang="en-US" dirty="0"/>
           </a:p>
@@ -17641,7 +17658,7 @@
             <a:fld id="{E7244459-F2A5-4FF9-8125-3DD79827DEF5}" type="datetime1">
               <a:rPr lang="en-US" smtClean="0"/>
               <a:pPr/>
-              <a:t>8/1/2018</a:t>
+              <a:t>8/11/2018</a:t>
             </a:fld>
             <a:endParaRPr lang="en-US" dirty="0"/>
           </a:p>
@@ -17823,7 +17840,7 @@
             <a:fld id="{13570084-B57A-493D-8A30-572F2D9F55F8}" type="datetime1">
               <a:rPr lang="en-US" smtClean="0"/>
               <a:pPr/>
-              <a:t>8/1/2018</a:t>
+              <a:t>8/11/2018</a:t>
             </a:fld>
             <a:endParaRPr lang="en-US" dirty="0"/>
           </a:p>
@@ -18317,7 +18334,7 @@
             <a:fld id="{E7244459-F2A5-4FF9-8125-3DD79827DEF5}" type="datetime1">
               <a:rPr lang="en-US" smtClean="0"/>
               <a:pPr/>
-              <a:t>8/1/2018</a:t>
+              <a:t>8/11/2018</a:t>
             </a:fld>
             <a:endParaRPr lang="en-US" dirty="0"/>
           </a:p>
@@ -18528,7 +18545,7 @@
             <a:fld id="{E7244459-F2A5-4FF9-8125-3DD79827DEF5}" type="datetime1">
               <a:rPr lang="en-US" smtClean="0"/>
               <a:pPr/>
-              <a:t>8/1/2018</a:t>
+              <a:t>8/11/2018</a:t>
             </a:fld>
             <a:endParaRPr lang="en-US" dirty="0"/>
           </a:p>
@@ -20543,7 +20560,7 @@
             <a:fld id="{E7244459-F2A5-4FF9-8125-3DD79827DEF5}" type="datetime1">
               <a:rPr lang="en-US" smtClean="0"/>
               <a:pPr/>
-              <a:t>8/1/2018</a:t>
+              <a:t>8/11/2018</a:t>
             </a:fld>
             <a:endParaRPr lang="en-US" dirty="0"/>
           </a:p>
@@ -20952,7 +20969,7 @@
             <a:fld id="{E7244459-F2A5-4FF9-8125-3DD79827DEF5}" type="datetime1">
               <a:rPr lang="en-US" smtClean="0"/>
               <a:pPr/>
-              <a:t>8/1/2018</a:t>
+              <a:t>8/11/2018</a:t>
             </a:fld>
             <a:endParaRPr lang="en-US" dirty="0"/>
           </a:p>
@@ -21201,7 +21218,7 @@
             <a:fld id="{13570084-B57A-493D-8A30-572F2D9F55F8}" type="datetime1">
               <a:rPr lang="en-US" smtClean="0"/>
               <a:pPr/>
-              <a:t>8/1/2018</a:t>
+              <a:t>8/11/2018</a:t>
             </a:fld>
             <a:endParaRPr lang="en-US" dirty="0"/>
           </a:p>
@@ -21398,7 +21415,7 @@
           <a:p>
             <a:fld id="{E7244459-F2A5-4FF9-8125-3DD79827DEF5}" type="datetime1">
               <a:rPr lang="en-US" smtClean="0"/>
-              <a:t>8/1/2018</a:t>
+              <a:t>8/11/2018</a:t>
             </a:fld>
             <a:endParaRPr lang="en-US" dirty="0"/>
           </a:p>
@@ -21585,7 +21602,7 @@
           <a:p>
             <a:fld id="{E7244459-F2A5-4FF9-8125-3DD79827DEF5}" type="datetime1">
               <a:rPr lang="en-US" smtClean="0"/>
-              <a:t>8/1/2018</a:t>
+              <a:t>8/11/2018</a:t>
             </a:fld>
             <a:endParaRPr lang="en-US" dirty="0"/>
           </a:p>
@@ -21769,7 +21786,7 @@
           <a:p>
             <a:fld id="{E7244459-F2A5-4FF9-8125-3DD79827DEF5}" type="datetime1">
               <a:rPr lang="en-US" smtClean="0"/>
-              <a:t>8/1/2018</a:t>
+              <a:t>8/11/2018</a:t>
             </a:fld>
             <a:endParaRPr lang="en-US" dirty="0"/>
           </a:p>
@@ -21966,7 +21983,7 @@
             <a:fld id="{13570084-B57A-493D-8A30-572F2D9F55F8}" type="datetime1">
               <a:rPr lang="en-US" smtClean="0"/>
               <a:pPr/>
-              <a:t>8/1/2018</a:t>
+              <a:t>8/11/2018</a:t>
             </a:fld>
             <a:endParaRPr lang="en-US" dirty="0"/>
           </a:p>
@@ -22351,7 +22368,7 @@
           <a:p>
             <a:fld id="{E7244459-F2A5-4FF9-8125-3DD79827DEF5}" type="datetime1">
               <a:rPr lang="en-US" smtClean="0"/>
-              <a:t>8/1/2018</a:t>
+              <a:t>8/11/2018</a:t>
             </a:fld>
             <a:endParaRPr lang="en-US" dirty="0"/>
           </a:p>
@@ -22682,7 +22699,7 @@
             <a:fld id="{E7244459-F2A5-4FF9-8125-3DD79827DEF5}" type="datetime1">
               <a:rPr lang="en-US" smtClean="0"/>
               <a:pPr/>
-              <a:t>8/1/2018</a:t>
+              <a:t>8/11/2018</a:t>
             </a:fld>
             <a:endParaRPr lang="en-US" dirty="0"/>
           </a:p>
@@ -23253,7 +23270,7 @@
   <a:extraClrSchemeLst/>
   <a:extLst>
     <a:ext uri="{05A4C25C-085E-4340-85A3-A5531E510DB2}">
-      <thm15:themeFamily xmlns:thm15="http://schemas.microsoft.com/office/thememl/2012/main" name="Lesson 12 - Data Analytics - GLMs" id="{2D671843-01B0-4809-83B7-DCD6022711AC}" vid="{631529AC-459A-4F8A-9050-54C0368E42C7}"/>
+      <thm15:themeFamily xmlns:thm15="http://schemas.microsoft.com/office/thememl/2012/main" name="Analytics_World" id="{0D0CA6F4-4249-491F-90A1-38D2E759BAFB}" vid="{73C02A8C-8EF0-4E7B-9EF2-CA7EFEB1E564}"/>
     </a:ext>
   </a:extLst>
 </a:theme>
